--- a/Building a Data Mesh Architecture in Azure/Slides.pptx
+++ b/Building a Data Mesh Architecture in Azure/Slides.pptx
@@ -10,6 +10,7 @@
   <p:sldIdLst>
     <p:sldId id="257" r:id="rId8"/>
     <p:sldId id="258" r:id="rId9"/>
+    <p:sldId id="259" r:id="rId10"/>
   </p:sldIdLst>
   <p:sldSz cx="18288000" cy="10287000"/>
   <p:notesSz cx="6858000" cy="9144000"/>
@@ -23869,7 +23870,7 @@
           <a:p>
             <a:r>
               <a:rPr lang="en-GB" dirty="0"/>
-              <a:t>Data Mesh vs Azure </a:t>
+              <a:t>Data Mesh vs Azure – Part 1</a:t>
             </a:r>
             <a:br>
               <a:rPr lang="en-GB" dirty="0"/>
@@ -24037,6 +24038,126 @@
     <p:extLst>
       <p:ext uri="{BB962C8B-B14F-4D97-AF65-F5344CB8AC3E}">
         <p14:creationId xmlns:p14="http://schemas.microsoft.com/office/powerpoint/2010/main" val="1079440535"/>
+      </p:ext>
+    </p:extLst>
+  </p:cSld>
+  <p:clrMapOvr>
+    <a:masterClrMapping/>
+  </p:clrMapOvr>
+</p:sld>
+</file>
+
+<file path=ppt/slides/slide3.xml><?xml version="1.0" encoding="utf-8"?>
+<p:sld xmlns:a="http://schemas.openxmlformats.org/drawingml/2006/main" xmlns:r="http://schemas.openxmlformats.org/officeDocument/2006/relationships" xmlns:p="http://schemas.openxmlformats.org/presentationml/2006/main">
+  <p:cSld>
+    <p:spTree>
+      <p:nvGrpSpPr>
+        <p:cNvPr id="1" name=""/>
+        <p:cNvGrpSpPr/>
+        <p:nvPr/>
+      </p:nvGrpSpPr>
+      <p:grpSpPr>
+        <a:xfrm>
+          <a:off x="0" y="0"/>
+          <a:ext cx="0" cy="0"/>
+          <a:chOff x="0" y="0"/>
+          <a:chExt cx="0" cy="0"/>
+        </a:xfrm>
+      </p:grpSpPr>
+      <p:sp>
+        <p:nvSpPr>
+          <p:cNvPr id="6" name="Title 5">
+            <a:extLst>
+              <a:ext uri="{FF2B5EF4-FFF2-40B4-BE49-F238E27FC236}">
+                <a16:creationId xmlns:a16="http://schemas.microsoft.com/office/drawing/2014/main" id="{9FA1DAA0-BA6F-40FC-8A26-DABA315F8B59}"/>
+              </a:ext>
+            </a:extLst>
+          </p:cNvPr>
+          <p:cNvSpPr>
+            <a:spLocks noGrp="1"/>
+          </p:cNvSpPr>
+          <p:nvPr>
+            <p:ph type="title"/>
+          </p:nvPr>
+        </p:nvSpPr>
+        <p:spPr/>
+        <p:txBody>
+          <a:bodyPr/>
+          <a:lstStyle/>
+          <a:p>
+            <a:r>
+              <a:rPr lang="en-GB" dirty="0"/>
+              <a:t>Data Mesh vs Azure – Part 2</a:t>
+            </a:r>
+            <a:br>
+              <a:rPr lang="en-GB" dirty="0"/>
+            </a:br>
+            <a:endParaRPr lang="en-US" dirty="0"/>
+          </a:p>
+        </p:txBody>
+      </p:sp>
+      <p:sp>
+        <p:nvSpPr>
+          <p:cNvPr id="7" name="Text Placeholder 6">
+            <a:extLst>
+              <a:ext uri="{FF2B5EF4-FFF2-40B4-BE49-F238E27FC236}">
+                <a16:creationId xmlns:a16="http://schemas.microsoft.com/office/drawing/2014/main" id="{7CADE366-A654-41F8-B9F1-A0B35AA15D7C}"/>
+              </a:ext>
+            </a:extLst>
+          </p:cNvPr>
+          <p:cNvSpPr>
+            <a:spLocks noGrp="1"/>
+          </p:cNvSpPr>
+          <p:nvPr>
+            <p:ph type="body" idx="1"/>
+          </p:nvPr>
+        </p:nvSpPr>
+        <p:spPr/>
+        <p:txBody>
+          <a:bodyPr/>
+          <a:lstStyle/>
+          <a:p>
+            <a:r>
+              <a:rPr lang="en-GB" dirty="0"/>
+              <a:t>Theory vs Practice</a:t>
+            </a:r>
+          </a:p>
+        </p:txBody>
+      </p:sp>
+      <p:pic>
+        <p:nvPicPr>
+          <p:cNvPr id="5" name="Picture 4">
+            <a:extLst>
+              <a:ext uri="{FF2B5EF4-FFF2-40B4-BE49-F238E27FC236}">
+                <a16:creationId xmlns:a16="http://schemas.microsoft.com/office/drawing/2014/main" id="{CAD31D75-3A7A-4E8B-8D3E-C991ABD7F83F}"/>
+              </a:ext>
+            </a:extLst>
+          </p:cNvPr>
+          <p:cNvPicPr>
+            <a:picLocks noChangeAspect="1"/>
+          </p:cNvPicPr>
+          <p:nvPr/>
+        </p:nvPicPr>
+        <p:blipFill>
+          <a:blip r:embed="rId2"/>
+          <a:stretch>
+            <a:fillRect/>
+          </a:stretch>
+        </p:blipFill>
+        <p:spPr>
+          <a:xfrm>
+            <a:off x="4023518" y="2239182"/>
+            <a:ext cx="10566083" cy="7281156"/>
+          </a:xfrm>
+          <a:prstGeom prst="rect">
+            <a:avLst/>
+          </a:prstGeom>
+        </p:spPr>
+      </p:pic>
+    </p:spTree>
+    <p:extLst>
+      <p:ext uri="{BB962C8B-B14F-4D97-AF65-F5344CB8AC3E}">
+        <p14:creationId xmlns:p14="http://schemas.microsoft.com/office/powerpoint/2010/main" val="3345028852"/>
       </p:ext>
     </p:extLst>
   </p:cSld>
@@ -24851,6 +24972,21 @@
 </file>
 
 <file path=customXml/item1.xml><?xml version="1.0" encoding="utf-8"?>
+<p:properties xmlns:p="http://schemas.microsoft.com/office/2006/metadata/properties" xmlns:xsi="http://www.w3.org/2001/XMLSchema-instance" xmlns:pc="http://schemas.microsoft.com/office/infopath/2007/PartnerControls">
+  <documentManagement/>
+</p:properties>
+</file>
+
+<file path=customXml/item2.xml><?xml version="1.0" encoding="utf-8"?>
+<?mso-contentType ?>
+<FormTemplates xmlns="http://schemas.microsoft.com/sharepoint/v3/contenttype/forms">
+  <Display>DocumentLibraryForm</Display>
+  <Edit>DocumentLibraryForm</Edit>
+  <New>DocumentLibraryForm</New>
+</FormTemplates>
+</file>
+
+<file path=customXml/item3.xml><?xml version="1.0" encoding="utf-8"?>
 <ct:contentTypeSchema xmlns:ct="http://schemas.microsoft.com/office/2006/metadata/contentType" xmlns:ma="http://schemas.microsoft.com/office/2006/metadata/properties/metaAttributes" ct:_="" ma:_="" ma:contentTypeName="Document" ma:contentTypeID="0x010100D62CDCD72062A14CAF472E63EF54A81F" ma:contentTypeVersion="13" ma:contentTypeDescription="Create a new document." ma:contentTypeScope="" ma:versionID="4fd3fc1418852553c92eba9ebd030e68">
   <xsd:schema xmlns:xsd="http://www.w3.org/2001/XMLSchema" xmlns:xs="http://www.w3.org/2001/XMLSchema" xmlns:p="http://schemas.microsoft.com/office/2006/metadata/properties" xmlns:ns3="a97e7af6-f849-444d-baea-bf45d945f04f" xmlns:ns4="231e66aa-59bf-46f6-992a-5b0705807d3a" targetNamespace="http://schemas.microsoft.com/office/2006/metadata/properties" ma:root="true" ma:fieldsID="ea9350f88e0b7d6b105db42b7fad0d34" ns3:_="" ns4:_="">
     <xsd:import namespace="a97e7af6-f849-444d-baea-bf45d945f04f"/>
@@ -25073,22 +25209,32 @@
 </ct:contentTypeSchema>
 </file>
 
-<file path=customXml/item2.xml><?xml version="1.0" encoding="utf-8"?>
-<?mso-contentType ?>
-<FormTemplates xmlns="http://schemas.microsoft.com/sharepoint/v3/contenttype/forms">
-  <Display>DocumentLibraryForm</Display>
-  <Edit>DocumentLibraryForm</Edit>
-  <New>DocumentLibraryForm</New>
-</FormTemplates>
+<file path=customXml/itemProps1.xml><?xml version="1.0" encoding="utf-8"?>
+<ds:datastoreItem xmlns:ds="http://schemas.openxmlformats.org/officeDocument/2006/customXml" ds:itemID="{B7EDE1C9-0972-4E99-8AC4-1B80CA73A864}">
+  <ds:schemaRefs>
+    <ds:schemaRef ds:uri="http://purl.org/dc/dcmitype/"/>
+    <ds:schemaRef ds:uri="http://purl.org/dc/elements/1.1/"/>
+    <ds:schemaRef ds:uri="http://schemas.microsoft.com/office/2006/metadata/properties"/>
+    <ds:schemaRef ds:uri="a97e7af6-f849-444d-baea-bf45d945f04f"/>
+    <ds:schemaRef ds:uri="http://www.w3.org/XML/1998/namespace"/>
+    <ds:schemaRef ds:uri="http://schemas.microsoft.com/office/2006/documentManagement/types"/>
+    <ds:schemaRef ds:uri="http://schemas.microsoft.com/office/infopath/2007/PartnerControls"/>
+    <ds:schemaRef ds:uri="http://schemas.openxmlformats.org/package/2006/metadata/core-properties"/>
+    <ds:schemaRef ds:uri="231e66aa-59bf-46f6-992a-5b0705807d3a"/>
+    <ds:schemaRef ds:uri="http://purl.org/dc/terms/"/>
+  </ds:schemaRefs>
+</ds:datastoreItem>
 </file>
 
-<file path=customXml/item3.xml><?xml version="1.0" encoding="utf-8"?>
-<p:properties xmlns:p="http://schemas.microsoft.com/office/2006/metadata/properties" xmlns:xsi="http://www.w3.org/2001/XMLSchema-instance" xmlns:pc="http://schemas.microsoft.com/office/infopath/2007/PartnerControls">
-  <documentManagement/>
-</p:properties>
+<file path=customXml/itemProps2.xml><?xml version="1.0" encoding="utf-8"?>
+<ds:datastoreItem xmlns:ds="http://schemas.openxmlformats.org/officeDocument/2006/customXml" ds:itemID="{33A788A9-223C-4223-B8A9-FD8EC0C63938}">
+  <ds:schemaRefs>
+    <ds:schemaRef ds:uri="http://schemas.microsoft.com/sharepoint/v3/contenttype/forms"/>
+  </ds:schemaRefs>
+</ds:datastoreItem>
 </file>
 
-<file path=customXml/itemProps1.xml><?xml version="1.0" encoding="utf-8"?>
+<file path=customXml/itemProps3.xml><?xml version="1.0" encoding="utf-8"?>
 <ds:datastoreItem xmlns:ds="http://schemas.openxmlformats.org/officeDocument/2006/customXml" ds:itemID="{59BB900B-9956-42B4-8658-6E58E26A7DED}">
   <ds:schemaRefs>
     <ds:schemaRef ds:uri="http://schemas.microsoft.com/office/2006/metadata/contentType"/>
@@ -25105,29 +25251,4 @@
     <ds:schemaRef ds:uri="http://schemas.microsoft.com/internal/obd"/>
   </ds:schemaRefs>
 </ds:datastoreItem>
-</file>
-
-<file path=customXml/itemProps2.xml><?xml version="1.0" encoding="utf-8"?>
-<ds:datastoreItem xmlns:ds="http://schemas.openxmlformats.org/officeDocument/2006/customXml" ds:itemID="{33A788A9-223C-4223-B8A9-FD8EC0C63938}">
-  <ds:schemaRefs>
-    <ds:schemaRef ds:uri="http://schemas.microsoft.com/sharepoint/v3/contenttype/forms"/>
-  </ds:schemaRefs>
-</ds:datastoreItem>
-</file>
-
-<file path=customXml/itemProps3.xml><?xml version="1.0" encoding="utf-8"?>
-<ds:datastoreItem xmlns:ds="http://schemas.openxmlformats.org/officeDocument/2006/customXml" ds:itemID="{B7EDE1C9-0972-4E99-8AC4-1B80CA73A864}">
-  <ds:schemaRefs>
-    <ds:schemaRef ds:uri="http://purl.org/dc/elements/1.1/"/>
-    <ds:schemaRef ds:uri="http://schemas.microsoft.com/office/2006/metadata/properties"/>
-    <ds:schemaRef ds:uri="http://www.w3.org/XML/1998/namespace"/>
-    <ds:schemaRef ds:uri="http://purl.org/dc/terms/"/>
-    <ds:schemaRef ds:uri="231e66aa-59bf-46f6-992a-5b0705807d3a"/>
-    <ds:schemaRef ds:uri="http://schemas.microsoft.com/office/2006/documentManagement/types"/>
-    <ds:schemaRef ds:uri="http://purl.org/dc/dcmitype/"/>
-    <ds:schemaRef ds:uri="http://schemas.microsoft.com/office/infopath/2007/PartnerControls"/>
-    <ds:schemaRef ds:uri="http://schemas.openxmlformats.org/package/2006/metadata/core-properties"/>
-    <ds:schemaRef ds:uri="a97e7af6-f849-444d-baea-bf45d945f04f"/>
-  </ds:schemaRefs>
-</ds:datastoreItem>
 </file>